--- a/Week_7/week_7_slides.pptx
+++ b/Week_7/week_7_slides.pptx
@@ -6,15 +6,16 @@
   </p:sldMasterIdLst>
   <p:sldIdLst>
     <p:sldId id="256" r:id="rId2"/>
-    <p:sldId id="257" r:id="rId3"/>
-    <p:sldId id="263" r:id="rId4"/>
-    <p:sldId id="264" r:id="rId5"/>
-    <p:sldId id="265" r:id="rId6"/>
-    <p:sldId id="259" r:id="rId7"/>
-    <p:sldId id="260" r:id="rId8"/>
-    <p:sldId id="261" r:id="rId9"/>
-    <p:sldId id="262" r:id="rId10"/>
-    <p:sldId id="258" r:id="rId11"/>
+    <p:sldId id="266" r:id="rId3"/>
+    <p:sldId id="257" r:id="rId4"/>
+    <p:sldId id="263" r:id="rId5"/>
+    <p:sldId id="264" r:id="rId6"/>
+    <p:sldId id="265" r:id="rId7"/>
+    <p:sldId id="259" r:id="rId8"/>
+    <p:sldId id="260" r:id="rId9"/>
+    <p:sldId id="261" r:id="rId10"/>
+    <p:sldId id="262" r:id="rId11"/>
+    <p:sldId id="258" r:id="rId12"/>
   </p:sldIdLst>
   <p:sldSz cx="12192000" cy="6858000"/>
   <p:notesSz cx="6858000" cy="9144000"/>
@@ -113,6 +114,11 @@
       </a:defRPr>
     </a:lvl9pPr>
   </p:defaultTextStyle>
+  <p:extLst>
+    <p:ext uri="{EFAFB233-063F-42B5-8137-9DF3F51BA10A}">
+      <p15:sldGuideLst xmlns:p15="http://schemas.microsoft.com/office/powerpoint/2012/main"/>
+    </p:ext>
+  </p:extLst>
 </p:presentation>
 </file>
 
@@ -161,7 +167,6 @@
               <a:rPr lang="en-US"/>
               <a:t>Click to edit Master title style</a:t>
             </a:r>
-            <a:endParaRPr lang="en-US"/>
           </a:p>
         </p:txBody>
       </p:sp>
@@ -226,7 +231,6 @@
               <a:rPr lang="en-US"/>
               <a:t>Click to edit Master subtitle style</a:t>
             </a:r>
-            <a:endParaRPr lang="en-US"/>
           </a:p>
         </p:txBody>
       </p:sp>
@@ -247,7 +251,7 @@
           <a:p>
             <a:fld id="{25FF9070-726E-4F4F-998D-B436A87A6068}" type="datetimeFigureOut">
               <a:rPr lang="en-US" smtClean="0"/>
-              <a:t>2/23/2017</a:t>
+              <a:t>2/28/2017</a:t>
             </a:fld>
             <a:endParaRPr lang="en-US"/>
           </a:p>
@@ -344,7 +348,6 @@
               <a:rPr lang="en-US"/>
               <a:t>Click to edit Master title style</a:t>
             </a:r>
-            <a:endParaRPr lang="en-US"/>
           </a:p>
         </p:txBody>
       </p:sp>
@@ -396,7 +399,6 @@
               <a:rPr lang="en-US"/>
               <a:t>Fifth level</a:t>
             </a:r>
-            <a:endParaRPr lang="en-US"/>
           </a:p>
         </p:txBody>
       </p:sp>
@@ -417,7 +419,7 @@
           <a:p>
             <a:fld id="{25FF9070-726E-4F4F-998D-B436A87A6068}" type="datetimeFigureOut">
               <a:rPr lang="en-US" smtClean="0"/>
-              <a:t>2/23/2017</a:t>
+              <a:t>2/28/2017</a:t>
             </a:fld>
             <a:endParaRPr lang="en-US"/>
           </a:p>
@@ -519,7 +521,6 @@
               <a:rPr lang="en-US"/>
               <a:t>Click to edit Master title style</a:t>
             </a:r>
-            <a:endParaRPr lang="en-US"/>
           </a:p>
         </p:txBody>
       </p:sp>
@@ -576,7 +577,6 @@
               <a:rPr lang="en-US"/>
               <a:t>Fifth level</a:t>
             </a:r>
-            <a:endParaRPr lang="en-US"/>
           </a:p>
         </p:txBody>
       </p:sp>
@@ -597,7 +597,7 @@
           <a:p>
             <a:fld id="{25FF9070-726E-4F4F-998D-B436A87A6068}" type="datetimeFigureOut">
               <a:rPr lang="en-US" smtClean="0"/>
-              <a:t>2/23/2017</a:t>
+              <a:t>2/28/2017</a:t>
             </a:fld>
             <a:endParaRPr lang="en-US"/>
           </a:p>
@@ -694,7 +694,6 @@
               <a:rPr lang="en-US"/>
               <a:t>Click to edit Master title style</a:t>
             </a:r>
-            <a:endParaRPr lang="en-US"/>
           </a:p>
         </p:txBody>
       </p:sp>
@@ -746,7 +745,6 @@
               <a:rPr lang="en-US"/>
               <a:t>Fifth level</a:t>
             </a:r>
-            <a:endParaRPr lang="en-US"/>
           </a:p>
         </p:txBody>
       </p:sp>
@@ -767,7 +765,7 @@
           <a:p>
             <a:fld id="{25FF9070-726E-4F4F-998D-B436A87A6068}" type="datetimeFigureOut">
               <a:rPr lang="en-US" smtClean="0"/>
-              <a:t>2/23/2017</a:t>
+              <a:t>2/28/2017</a:t>
             </a:fld>
             <a:endParaRPr lang="en-US"/>
           </a:p>
@@ -873,7 +871,6 @@
               <a:rPr lang="en-US"/>
               <a:t>Click to edit Master title style</a:t>
             </a:r>
-            <a:endParaRPr lang="en-US"/>
           </a:p>
         </p:txBody>
       </p:sp>
@@ -1013,7 +1010,7 @@
           <a:p>
             <a:fld id="{25FF9070-726E-4F4F-998D-B436A87A6068}" type="datetimeFigureOut">
               <a:rPr lang="en-US" smtClean="0"/>
-              <a:t>2/23/2017</a:t>
+              <a:t>2/28/2017</a:t>
             </a:fld>
             <a:endParaRPr lang="en-US"/>
           </a:p>
@@ -1110,7 +1107,6 @@
               <a:rPr lang="en-US"/>
               <a:t>Click to edit Master title style</a:t>
             </a:r>
-            <a:endParaRPr lang="en-US"/>
           </a:p>
         </p:txBody>
       </p:sp>
@@ -1167,7 +1163,6 @@
               <a:rPr lang="en-US"/>
               <a:t>Fifth level</a:t>
             </a:r>
-            <a:endParaRPr lang="en-US"/>
           </a:p>
         </p:txBody>
       </p:sp>
@@ -1224,7 +1219,6 @@
               <a:rPr lang="en-US"/>
               <a:t>Fifth level</a:t>
             </a:r>
-            <a:endParaRPr lang="en-US"/>
           </a:p>
         </p:txBody>
       </p:sp>
@@ -1245,7 +1239,7 @@
           <a:p>
             <a:fld id="{25FF9070-726E-4F4F-998D-B436A87A6068}" type="datetimeFigureOut">
               <a:rPr lang="en-US" smtClean="0"/>
-              <a:t>2/23/2017</a:t>
+              <a:t>2/28/2017</a:t>
             </a:fld>
             <a:endParaRPr lang="en-US"/>
           </a:p>
@@ -1347,7 +1341,6 @@
               <a:rPr lang="en-US"/>
               <a:t>Click to edit Master title style</a:t>
             </a:r>
-            <a:endParaRPr lang="en-US"/>
           </a:p>
         </p:txBody>
       </p:sp>
@@ -1469,7 +1462,6 @@
               <a:rPr lang="en-US"/>
               <a:t>Fifth level</a:t>
             </a:r>
-            <a:endParaRPr lang="en-US"/>
           </a:p>
         </p:txBody>
       </p:sp>
@@ -1591,7 +1583,6 @@
               <a:rPr lang="en-US"/>
               <a:t>Fifth level</a:t>
             </a:r>
-            <a:endParaRPr lang="en-US"/>
           </a:p>
         </p:txBody>
       </p:sp>
@@ -1612,7 +1603,7 @@
           <a:p>
             <a:fld id="{25FF9070-726E-4F4F-998D-B436A87A6068}" type="datetimeFigureOut">
               <a:rPr lang="en-US" smtClean="0"/>
-              <a:t>2/23/2017</a:t>
+              <a:t>2/28/2017</a:t>
             </a:fld>
             <a:endParaRPr lang="en-US"/>
           </a:p>
@@ -1709,7 +1700,6 @@
               <a:rPr lang="en-US"/>
               <a:t>Click to edit Master title style</a:t>
             </a:r>
-            <a:endParaRPr lang="en-US"/>
           </a:p>
         </p:txBody>
       </p:sp>
@@ -1730,7 +1720,7 @@
           <a:p>
             <a:fld id="{25FF9070-726E-4F4F-998D-B436A87A6068}" type="datetimeFigureOut">
               <a:rPr lang="en-US" smtClean="0"/>
-              <a:t>2/23/2017</a:t>
+              <a:t>2/28/2017</a:t>
             </a:fld>
             <a:endParaRPr lang="en-US"/>
           </a:p>
@@ -1825,7 +1815,7 @@
           <a:p>
             <a:fld id="{25FF9070-726E-4F4F-998D-B436A87A6068}" type="datetimeFigureOut">
               <a:rPr lang="en-US" smtClean="0"/>
-              <a:t>2/23/2017</a:t>
+              <a:t>2/28/2017</a:t>
             </a:fld>
             <a:endParaRPr lang="en-US"/>
           </a:p>
@@ -1931,7 +1921,6 @@
               <a:rPr lang="en-US"/>
               <a:t>Click to edit Master title style</a:t>
             </a:r>
-            <a:endParaRPr lang="en-US"/>
           </a:p>
         </p:txBody>
       </p:sp>
@@ -2016,7 +2005,6 @@
               <a:rPr lang="en-US"/>
               <a:t>Fifth level</a:t>
             </a:r>
-            <a:endParaRPr lang="en-US"/>
           </a:p>
         </p:txBody>
       </p:sp>
@@ -2102,7 +2090,7 @@
           <a:p>
             <a:fld id="{25FF9070-726E-4F4F-998D-B436A87A6068}" type="datetimeFigureOut">
               <a:rPr lang="en-US" smtClean="0"/>
-              <a:t>2/23/2017</a:t>
+              <a:t>2/28/2017</a:t>
             </a:fld>
             <a:endParaRPr lang="en-US"/>
           </a:p>
@@ -2208,7 +2196,6 @@
               <a:rPr lang="en-US"/>
               <a:t>Click to edit Master title style</a:t>
             </a:r>
-            <a:endParaRPr lang="en-US"/>
           </a:p>
         </p:txBody>
       </p:sp>
@@ -2355,7 +2342,7 @@
           <a:p>
             <a:fld id="{25FF9070-726E-4F4F-998D-B436A87A6068}" type="datetimeFigureOut">
               <a:rPr lang="en-US" smtClean="0"/>
-              <a:t>2/23/2017</a:t>
+              <a:t>2/28/2017</a:t>
             </a:fld>
             <a:endParaRPr lang="en-US"/>
           </a:p>
@@ -2467,7 +2454,6 @@
               <a:rPr lang="en-US"/>
               <a:t>Click to edit Master title style</a:t>
             </a:r>
-            <a:endParaRPr lang="en-US"/>
           </a:p>
         </p:txBody>
       </p:sp>
@@ -2529,7 +2515,6 @@
               <a:rPr lang="en-US"/>
               <a:t>Fifth level</a:t>
             </a:r>
-            <a:endParaRPr lang="en-US"/>
           </a:p>
         </p:txBody>
       </p:sp>
@@ -2568,7 +2553,7 @@
           <a:p>
             <a:fld id="{25FF9070-726E-4F4F-998D-B436A87A6068}" type="datetimeFigureOut">
               <a:rPr lang="en-US" smtClean="0"/>
-              <a:t>2/23/2017</a:t>
+              <a:t>2/28/2017</a:t>
             </a:fld>
             <a:endParaRPr lang="en-US"/>
           </a:p>
@@ -3053,6 +3038,77 @@
       </p:grpSpPr>
       <p:sp>
         <p:nvSpPr>
+          <p:cNvPr id="4" name="Title 3"/>
+          <p:cNvSpPr>
+            <a:spLocks noGrp="1"/>
+          </p:cNvSpPr>
+          <p:nvPr>
+            <p:ph type="title"/>
+          </p:nvPr>
+        </p:nvSpPr>
+        <p:spPr/>
+        <p:txBody>
+          <a:bodyPr/>
+          <a:lstStyle/>
+          <a:p>
+            <a:r>
+              <a:rPr lang="en-US" dirty="0"/>
+              <a:t>JSON Demo</a:t>
+            </a:r>
+          </a:p>
+        </p:txBody>
+      </p:sp>
+      <p:sp>
+        <p:nvSpPr>
+          <p:cNvPr id="5" name="Text Placeholder 4"/>
+          <p:cNvSpPr>
+            <a:spLocks noGrp="1"/>
+          </p:cNvSpPr>
+          <p:nvPr>
+            <p:ph type="body" idx="1"/>
+          </p:nvPr>
+        </p:nvSpPr>
+        <p:spPr/>
+        <p:txBody>
+          <a:bodyPr/>
+          <a:lstStyle/>
+          <a:p>
+            <a:endParaRPr lang="en-US"/>
+          </a:p>
+        </p:txBody>
+      </p:sp>
+    </p:spTree>
+    <p:extLst>
+      <p:ext uri="{BB962C8B-B14F-4D97-AF65-F5344CB8AC3E}">
+        <p14:creationId xmlns:p14="http://schemas.microsoft.com/office/powerpoint/2010/main" val="1795051036"/>
+      </p:ext>
+    </p:extLst>
+  </p:cSld>
+  <p:clrMapOvr>
+    <a:masterClrMapping/>
+  </p:clrMapOvr>
+</p:sld>
+</file>
+
+<file path=ppt/slides/slide11.xml><?xml version="1.0" encoding="utf-8"?>
+<p:sld xmlns:a="http://schemas.openxmlformats.org/drawingml/2006/main" xmlns:r="http://schemas.openxmlformats.org/officeDocument/2006/relationships" xmlns:p="http://schemas.openxmlformats.org/presentationml/2006/main">
+  <p:cSld>
+    <p:spTree>
+      <p:nvGrpSpPr>
+        <p:cNvPr id="1" name=""/>
+        <p:cNvGrpSpPr/>
+        <p:nvPr/>
+      </p:nvGrpSpPr>
+      <p:grpSpPr>
+        <a:xfrm>
+          <a:off x="0" y="0"/>
+          <a:ext cx="0" cy="0"/>
+          <a:chOff x="0" y="0"/>
+          <a:chExt cx="0" cy="0"/>
+        </a:xfrm>
+      </p:grpSpPr>
+      <p:sp>
+        <p:nvSpPr>
           <p:cNvPr id="2" name="Title 1"/>
           <p:cNvSpPr>
             <a:spLocks noGrp="1"/>
@@ -3125,12 +3181,33 @@
             </a:r>
           </a:p>
           <a:p>
+            <a:pPr lvl="1"/>
+            <a:r>
+              <a:rPr lang="en-US" dirty="0"/>
+              <a:t>Watch out for syntax errors in this chapter</a:t>
+            </a:r>
+          </a:p>
+          <a:p>
+            <a:pPr lvl="1"/>
+            <a:r>
+              <a:rPr lang="en-US" dirty="0"/>
+              <a:t>&gt;&gt; indicates run at command line</a:t>
+            </a:r>
+          </a:p>
+          <a:p>
             <a:endParaRPr lang="en-US" dirty="0"/>
           </a:p>
           <a:p>
             <a:r>
               <a:rPr lang="en-US" dirty="0"/>
               <a:t>Exercise 2 – JSON tutorial in Week 7 Folder</a:t>
+            </a:r>
+          </a:p>
+          <a:p>
+            <a:pPr lvl="1"/>
+            <a:r>
+              <a:rPr lang="en-US" dirty="0"/>
+              <a:t>Submit the Homework question at the end of the exercise into the Week 7 Homework folder.</a:t>
             </a:r>
           </a:p>
         </p:txBody>
@@ -3167,6 +3244,147 @@
       </p:grpSpPr>
       <p:sp>
         <p:nvSpPr>
+          <p:cNvPr id="2" name="Title 1"/>
+          <p:cNvSpPr>
+            <a:spLocks noGrp="1"/>
+          </p:cNvSpPr>
+          <p:nvPr>
+            <p:ph type="title"/>
+          </p:nvPr>
+        </p:nvSpPr>
+        <p:spPr/>
+        <p:txBody>
+          <a:bodyPr/>
+          <a:lstStyle/>
+          <a:p>
+            <a:r>
+              <a:rPr lang="en-US" dirty="0"/>
+              <a:t>Schedule</a:t>
+            </a:r>
+          </a:p>
+        </p:txBody>
+      </p:sp>
+      <p:sp>
+        <p:nvSpPr>
+          <p:cNvPr id="3" name="Content Placeholder 2"/>
+          <p:cNvSpPr>
+            <a:spLocks noGrp="1"/>
+          </p:cNvSpPr>
+          <p:nvPr>
+            <p:ph idx="1"/>
+          </p:nvPr>
+        </p:nvSpPr>
+        <p:spPr/>
+        <p:txBody>
+          <a:bodyPr>
+            <a:normAutofit lnSpcReduction="10000"/>
+          </a:bodyPr>
+          <a:lstStyle/>
+          <a:p>
+            <a:r>
+              <a:rPr lang="en-US" dirty="0"/>
+              <a:t>This week (Week 7)</a:t>
+            </a:r>
+          </a:p>
+          <a:p>
+            <a:pPr lvl="1"/>
+            <a:r>
+              <a:rPr lang="en-US" dirty="0"/>
+              <a:t>Project 1 Due</a:t>
+            </a:r>
+          </a:p>
+          <a:p>
+            <a:pPr lvl="1"/>
+            <a:r>
+              <a:rPr lang="en-US" dirty="0" err="1"/>
+              <a:t>ArcPy</a:t>
+            </a:r>
+            <a:r>
+              <a:rPr lang="en-US" dirty="0"/>
+              <a:t> Geometries and JSON</a:t>
+            </a:r>
+          </a:p>
+          <a:p>
+            <a:pPr lvl="1"/>
+            <a:endParaRPr lang="en-US" dirty="0"/>
+          </a:p>
+          <a:p>
+            <a:r>
+              <a:rPr lang="en-US" dirty="0"/>
+              <a:t>Next Week  - March 7</a:t>
+            </a:r>
+          </a:p>
+          <a:p>
+            <a:pPr lvl="1"/>
+            <a:r>
+              <a:rPr lang="en-US" dirty="0"/>
+              <a:t>Script Tools</a:t>
+            </a:r>
+          </a:p>
+          <a:p>
+            <a:pPr lvl="1"/>
+            <a:r>
+              <a:rPr lang="en-US" dirty="0"/>
+              <a:t>Python Toolboxes</a:t>
+            </a:r>
+          </a:p>
+          <a:p>
+            <a:pPr lvl="1"/>
+            <a:r>
+              <a:rPr lang="en-US" dirty="0"/>
+              <a:t>Final Project Proposal Due</a:t>
+            </a:r>
+          </a:p>
+          <a:p>
+            <a:pPr lvl="1"/>
+            <a:r>
+              <a:rPr lang="en-US" dirty="0"/>
+              <a:t>Homework</a:t>
+            </a:r>
+          </a:p>
+          <a:p>
+            <a:endParaRPr lang="en-US" dirty="0"/>
+          </a:p>
+          <a:p>
+            <a:r>
+              <a:rPr lang="en-US" dirty="0"/>
+              <a:t>Spring Break – March 14</a:t>
+            </a:r>
+          </a:p>
+        </p:txBody>
+      </p:sp>
+    </p:spTree>
+    <p:extLst>
+      <p:ext uri="{BB962C8B-B14F-4D97-AF65-F5344CB8AC3E}">
+        <p14:creationId xmlns:p14="http://schemas.microsoft.com/office/powerpoint/2010/main" val="3023691573"/>
+      </p:ext>
+    </p:extLst>
+  </p:cSld>
+  <p:clrMapOvr>
+    <a:masterClrMapping/>
+  </p:clrMapOvr>
+</p:sld>
+</file>
+
+<file path=ppt/slides/slide3.xml><?xml version="1.0" encoding="utf-8"?>
+<p:sld xmlns:a="http://schemas.openxmlformats.org/drawingml/2006/main" xmlns:r="http://schemas.openxmlformats.org/officeDocument/2006/relationships" xmlns:p="http://schemas.openxmlformats.org/presentationml/2006/main">
+  <p:cSld>
+    <p:spTree>
+      <p:nvGrpSpPr>
+        <p:cNvPr id="1" name=""/>
+        <p:cNvGrpSpPr/>
+        <p:nvPr/>
+      </p:nvGrpSpPr>
+      <p:grpSpPr>
+        <a:xfrm>
+          <a:off x="0" y="0"/>
+          <a:ext cx="0" cy="0"/>
+          <a:chOff x="0" y="0"/>
+          <a:chExt cx="0" cy="0"/>
+        </a:xfrm>
+      </p:grpSpPr>
+      <p:sp>
+        <p:nvSpPr>
           <p:cNvPr id="4" name="Title 3"/>
           <p:cNvSpPr>
             <a:spLocks noGrp="1"/>
@@ -3258,7 +3476,7 @@
 </p:sld>
 </file>
 
-<file path=ppt/slides/slide3.xml><?xml version="1.0" encoding="utf-8"?>
+<file path=ppt/slides/slide4.xml><?xml version="1.0" encoding="utf-8"?>
 <p:sld xmlns:a="http://schemas.openxmlformats.org/drawingml/2006/main" xmlns:r="http://schemas.openxmlformats.org/officeDocument/2006/relationships" xmlns:p="http://schemas.openxmlformats.org/presentationml/2006/main">
   <p:cSld>
     <p:spTree>
@@ -3368,7 +3586,7 @@
 </p:sld>
 </file>
 
-<file path=ppt/slides/slide4.xml><?xml version="1.0" encoding="utf-8"?>
+<file path=ppt/slides/slide5.xml><?xml version="1.0" encoding="utf-8"?>
 <p:sld xmlns:a="http://schemas.openxmlformats.org/drawingml/2006/main" xmlns:r="http://schemas.openxmlformats.org/officeDocument/2006/relationships" xmlns:p="http://schemas.openxmlformats.org/presentationml/2006/main">
   <p:cSld>
     <p:spTree>
@@ -3481,81 +3699,6 @@
 </p:sld>
 </file>
 
-<file path=ppt/slides/slide5.xml><?xml version="1.0" encoding="utf-8"?>
-<p:sld xmlns:a="http://schemas.openxmlformats.org/drawingml/2006/main" xmlns:r="http://schemas.openxmlformats.org/officeDocument/2006/relationships" xmlns:p="http://schemas.openxmlformats.org/presentationml/2006/main">
-  <p:cSld>
-    <p:spTree>
-      <p:nvGrpSpPr>
-        <p:cNvPr id="1" name=""/>
-        <p:cNvGrpSpPr/>
-        <p:nvPr/>
-      </p:nvGrpSpPr>
-      <p:grpSpPr>
-        <a:xfrm>
-          <a:off x="0" y="0"/>
-          <a:ext cx="0" cy="0"/>
-          <a:chOff x="0" y="0"/>
-          <a:chExt cx="0" cy="0"/>
-        </a:xfrm>
-      </p:grpSpPr>
-      <p:sp>
-        <p:nvSpPr>
-          <p:cNvPr id="4" name="Title 3"/>
-          <p:cNvSpPr>
-            <a:spLocks noGrp="1"/>
-          </p:cNvSpPr>
-          <p:nvPr>
-            <p:ph type="title"/>
-          </p:nvPr>
-        </p:nvSpPr>
-        <p:spPr/>
-        <p:txBody>
-          <a:bodyPr/>
-          <a:lstStyle/>
-          <a:p>
-            <a:r>
-              <a:rPr lang="en-US" dirty="0" err="1"/>
-              <a:t>ArcPy</a:t>
-            </a:r>
-            <a:r>
-              <a:rPr lang="en-US" dirty="0"/>
-              <a:t> Geometry Demo</a:t>
-            </a:r>
-          </a:p>
-        </p:txBody>
-      </p:sp>
-      <p:sp>
-        <p:nvSpPr>
-          <p:cNvPr id="5" name="Text Placeholder 4"/>
-          <p:cNvSpPr>
-            <a:spLocks noGrp="1"/>
-          </p:cNvSpPr>
-          <p:nvPr>
-            <p:ph type="body" idx="1"/>
-          </p:nvPr>
-        </p:nvSpPr>
-        <p:spPr/>
-        <p:txBody>
-          <a:bodyPr/>
-          <a:lstStyle/>
-          <a:p>
-            <a:endParaRPr lang="en-US"/>
-          </a:p>
-        </p:txBody>
-      </p:sp>
-    </p:spTree>
-    <p:extLst>
-      <p:ext uri="{BB962C8B-B14F-4D97-AF65-F5344CB8AC3E}">
-        <p14:creationId xmlns:p14="http://schemas.microsoft.com/office/powerpoint/2010/main" val="1448775765"/>
-      </p:ext>
-    </p:extLst>
-  </p:cSld>
-  <p:clrMapOvr>
-    <a:masterClrMapping/>
-  </p:clrMapOvr>
-</p:sld>
-</file>
-
 <file path=ppt/slides/slide6.xml><?xml version="1.0" encoding="utf-8"?>
 <p:sld xmlns:a="http://schemas.openxmlformats.org/drawingml/2006/main" xmlns:r="http://schemas.openxmlformats.org/officeDocument/2006/relationships" xmlns:p="http://schemas.openxmlformats.org/presentationml/2006/main">
   <p:cSld>
@@ -3589,8 +3732,12 @@
           <a:lstStyle/>
           <a:p>
             <a:r>
+              <a:rPr lang="en-US" dirty="0" err="1"/>
+              <a:t>ArcPy</a:t>
+            </a:r>
+            <a:r>
               <a:rPr lang="en-US" dirty="0"/>
-              <a:t>JSON</a:t>
+              <a:t> Geometry Demo</a:t>
             </a:r>
           </a:p>
         </p:txBody>
@@ -3617,7 +3764,7 @@
     </p:spTree>
     <p:extLst>
       <p:ext uri="{BB962C8B-B14F-4D97-AF65-F5344CB8AC3E}">
-        <p14:creationId xmlns:p14="http://schemas.microsoft.com/office/powerpoint/2010/main" val="3865006590"/>
+        <p14:creationId xmlns:p14="http://schemas.microsoft.com/office/powerpoint/2010/main" val="1448775765"/>
       </p:ext>
     </p:extLst>
   </p:cSld>
@@ -3661,64 +3808,34 @@
           <a:p>
             <a:r>
               <a:rPr lang="en-US" dirty="0"/>
-              <a:t>JSON – JavaScript Object Notation</a:t>
-            </a:r>
-          </a:p>
-        </p:txBody>
-      </p:sp>
-      <p:sp>
-        <p:nvSpPr>
-          <p:cNvPr id="5" name="Content Placeholder 4"/>
-          <p:cNvSpPr>
-            <a:spLocks noGrp="1"/>
-          </p:cNvSpPr>
-          <p:nvPr>
-            <p:ph idx="1"/>
-          </p:nvPr>
-        </p:nvSpPr>
-        <p:spPr/>
-        <p:txBody>
-          <a:bodyPr/>
-          <a:lstStyle/>
-          <a:p>
-            <a:r>
-              <a:rPr lang="en-US" dirty="0"/>
-              <a:t>Format for sending a receiving data between server and browser</a:t>
-            </a:r>
-          </a:p>
-          <a:p>
-            <a:endParaRPr lang="en-US" dirty="0"/>
-          </a:p>
-          <a:p>
-            <a:r>
-              <a:rPr lang="en-US" dirty="0"/>
-              <a:t>Common format for transacting data on web</a:t>
-            </a:r>
-          </a:p>
-          <a:p>
-            <a:endParaRPr lang="en-US" dirty="0"/>
-          </a:p>
-          <a:p>
-            <a:r>
-              <a:rPr lang="en-US" dirty="0"/>
-              <a:t>A format, not a standard</a:t>
-            </a:r>
-          </a:p>
-          <a:p>
-            <a:endParaRPr lang="en-US" dirty="0"/>
-          </a:p>
-          <a:p>
-            <a:r>
-              <a:rPr lang="en-US" dirty="0"/>
-              <a:t>The format that data is in when it’s pushed to your browser</a:t>
-            </a:r>
+              <a:t>JSON</a:t>
+            </a:r>
+          </a:p>
+        </p:txBody>
+      </p:sp>
+      <p:sp>
+        <p:nvSpPr>
+          <p:cNvPr id="5" name="Text Placeholder 4"/>
+          <p:cNvSpPr>
+            <a:spLocks noGrp="1"/>
+          </p:cNvSpPr>
+          <p:nvPr>
+            <p:ph type="body" idx="1"/>
+          </p:nvPr>
+        </p:nvSpPr>
+        <p:spPr/>
+        <p:txBody>
+          <a:bodyPr/>
+          <a:lstStyle/>
+          <a:p>
+            <a:endParaRPr lang="en-US"/>
           </a:p>
         </p:txBody>
       </p:sp>
     </p:spTree>
     <p:extLst>
       <p:ext uri="{BB962C8B-B14F-4D97-AF65-F5344CB8AC3E}">
-        <p14:creationId xmlns:p14="http://schemas.microsoft.com/office/powerpoint/2010/main" val="3692407008"/>
+        <p14:creationId xmlns:p14="http://schemas.microsoft.com/office/powerpoint/2010/main" val="3865006590"/>
       </p:ext>
     </p:extLst>
   </p:cSld>
@@ -3747,7 +3864,7 @@
       </p:grpSpPr>
       <p:sp>
         <p:nvSpPr>
-          <p:cNvPr id="2" name="Title 1"/>
+          <p:cNvPr id="4" name="Title 3"/>
           <p:cNvSpPr>
             <a:spLocks noGrp="1"/>
           </p:cNvSpPr>
@@ -3762,14 +3879,14 @@
           <a:p>
             <a:r>
               <a:rPr lang="en-US" dirty="0"/>
-              <a:t>Examples</a:t>
-            </a:r>
-          </a:p>
-        </p:txBody>
-      </p:sp>
-      <p:sp>
-        <p:nvSpPr>
-          <p:cNvPr id="3" name="Content Placeholder 2"/>
+              <a:t>JSON – JavaScript Object Notation</a:t>
+            </a:r>
+          </a:p>
+        </p:txBody>
+      </p:sp>
+      <p:sp>
+        <p:nvSpPr>
+          <p:cNvPr id="5" name="Content Placeholder 4"/>
           <p:cNvSpPr>
             <a:spLocks noGrp="1"/>
           </p:cNvSpPr>
@@ -3784,7 +3901,7 @@
           <a:p>
             <a:r>
               <a:rPr lang="en-US" dirty="0"/>
-              <a:t>NBA.com</a:t>
+              <a:t>Format for sending a receiving data between server and browser</a:t>
             </a:r>
           </a:p>
           <a:p>
@@ -3793,7 +3910,7 @@
           <a:p>
             <a:r>
               <a:rPr lang="en-US" dirty="0"/>
-              <a:t>Yahoo Sports</a:t>
+              <a:t>Common format for transacting data on web</a:t>
             </a:r>
           </a:p>
           <a:p>
@@ -3802,25 +3919,24 @@
           <a:p>
             <a:r>
               <a:rPr lang="en-US" dirty="0"/>
-              <a:t>UNHCR - </a:t>
-            </a:r>
-            <a:r>
-              <a:rPr lang="en-US" dirty="0">
-                <a:hlinkClick r:id="rId2"/>
-              </a:rPr>
-              <a:t>http://data.unhcr.org/wiki/index.php/Get-stats-mediterranean-monthly-arrivals-by-country.html</a:t>
-            </a:r>
+              <a:t>A format, not a standard</a:t>
+            </a:r>
+          </a:p>
+          <a:p>
             <a:endParaRPr lang="en-US" dirty="0"/>
           </a:p>
           <a:p>
-            <a:endParaRPr lang="en-US" dirty="0"/>
+            <a:r>
+              <a:rPr lang="en-US" dirty="0"/>
+              <a:t>The format that data is in when it’s pushed to your browser</a:t>
+            </a:r>
           </a:p>
         </p:txBody>
       </p:sp>
     </p:spTree>
     <p:extLst>
       <p:ext uri="{BB962C8B-B14F-4D97-AF65-F5344CB8AC3E}">
-        <p14:creationId xmlns:p14="http://schemas.microsoft.com/office/powerpoint/2010/main" val="4008638716"/>
+        <p14:creationId xmlns:p14="http://schemas.microsoft.com/office/powerpoint/2010/main" val="3692407008"/>
       </p:ext>
     </p:extLst>
   </p:cSld>
@@ -3849,7 +3965,7 @@
       </p:grpSpPr>
       <p:sp>
         <p:nvSpPr>
-          <p:cNvPr id="4" name="Title 3"/>
+          <p:cNvPr id="2" name="Title 1"/>
           <p:cNvSpPr>
             <a:spLocks noGrp="1"/>
           </p:cNvSpPr>
@@ -3864,34 +3980,65 @@
           <a:p>
             <a:r>
               <a:rPr lang="en-US" dirty="0"/>
-              <a:t>JSON Demo</a:t>
-            </a:r>
-          </a:p>
-        </p:txBody>
-      </p:sp>
-      <p:sp>
-        <p:nvSpPr>
-          <p:cNvPr id="5" name="Text Placeholder 4"/>
-          <p:cNvSpPr>
-            <a:spLocks noGrp="1"/>
-          </p:cNvSpPr>
-          <p:nvPr>
-            <p:ph type="body" idx="1"/>
-          </p:nvPr>
-        </p:nvSpPr>
-        <p:spPr/>
-        <p:txBody>
-          <a:bodyPr/>
-          <a:lstStyle/>
-          <a:p>
-            <a:endParaRPr lang="en-US"/>
+              <a:t>Examples</a:t>
+            </a:r>
+          </a:p>
+        </p:txBody>
+      </p:sp>
+      <p:sp>
+        <p:nvSpPr>
+          <p:cNvPr id="3" name="Content Placeholder 2"/>
+          <p:cNvSpPr>
+            <a:spLocks noGrp="1"/>
+          </p:cNvSpPr>
+          <p:nvPr>
+            <p:ph idx="1"/>
+          </p:nvPr>
+        </p:nvSpPr>
+        <p:spPr/>
+        <p:txBody>
+          <a:bodyPr/>
+          <a:lstStyle/>
+          <a:p>
+            <a:r>
+              <a:rPr lang="en-US" dirty="0"/>
+              <a:t>NBA.com</a:t>
+            </a:r>
+          </a:p>
+          <a:p>
+            <a:endParaRPr lang="en-US" dirty="0"/>
+          </a:p>
+          <a:p>
+            <a:r>
+              <a:rPr lang="en-US" dirty="0"/>
+              <a:t>Yahoo Sports</a:t>
+            </a:r>
+          </a:p>
+          <a:p>
+            <a:endParaRPr lang="en-US" dirty="0"/>
+          </a:p>
+          <a:p>
+            <a:r>
+              <a:rPr lang="en-US" dirty="0"/>
+              <a:t>UNHCR - </a:t>
+            </a:r>
+            <a:r>
+              <a:rPr lang="en-US" dirty="0">
+                <a:hlinkClick r:id="rId2"/>
+              </a:rPr>
+              <a:t>http://data.unhcr.org/wiki/index.php/Get-stats-mediterranean-monthly-arrivals-by-country.html</a:t>
+            </a:r>
+            <a:endParaRPr lang="en-US" dirty="0"/>
+          </a:p>
+          <a:p>
+            <a:endParaRPr lang="en-US" dirty="0"/>
           </a:p>
         </p:txBody>
       </p:sp>
     </p:spTree>
     <p:extLst>
       <p:ext uri="{BB962C8B-B14F-4D97-AF65-F5344CB8AC3E}">
-        <p14:creationId xmlns:p14="http://schemas.microsoft.com/office/powerpoint/2010/main" val="1795051036"/>
+        <p14:creationId xmlns:p14="http://schemas.microsoft.com/office/powerpoint/2010/main" val="4008638716"/>
       </p:ext>
     </p:extLst>
   </p:cSld>
